--- a/week_5/Presentation_week_5.3.pptx
+++ b/week_5/Presentation_week_5.3.pptx
@@ -5,15 +5,18 @@
     <p:sldMasterId id="2147483648" r:id="rId1"/>
   </p:sldMasterIdLst>
   <p:notesMasterIdLst>
-    <p:notesMasterId r:id="rId8"/>
+    <p:notesMasterId r:id="rId11"/>
   </p:notesMasterIdLst>
   <p:sldIdLst>
     <p:sldId id="256" r:id="rId2"/>
     <p:sldId id="274" r:id="rId3"/>
     <p:sldId id="273" r:id="rId4"/>
     <p:sldId id="271" r:id="rId5"/>
-    <p:sldId id="257" r:id="rId6"/>
-    <p:sldId id="275" r:id="rId7"/>
+    <p:sldId id="276" r:id="rId6"/>
+    <p:sldId id="277" r:id="rId7"/>
+    <p:sldId id="278" r:id="rId8"/>
+    <p:sldId id="279" r:id="rId9"/>
+    <p:sldId id="257" r:id="rId10"/>
   </p:sldIdLst>
   <p:sldSz cx="12192000" cy="6858000"/>
   <p:notesSz cx="6858000" cy="9144000"/>
@@ -514,16 +517,6 @@
           <a:bodyPr/>
           <a:lstStyle/>
           <a:p>
-            <a:r>
-              <a:rPr lang="en-US" dirty="0" smtClean="0"/>
-              <a:t>Histogram of homozygous</a:t>
-            </a:r>
-            <a:r>
-              <a:rPr lang="en-US" baseline="0" dirty="0" smtClean="0"/>
-              <a:t> reference sites</a:t>
-            </a:r>
-          </a:p>
-          <a:p>
             <a:endParaRPr lang="en-US" dirty="0"/>
           </a:p>
         </p:txBody>
@@ -610,17 +603,7 @@
           <a:p>
             <a:r>
               <a:rPr lang="en-US" dirty="0" smtClean="0"/>
-              <a:t>For correlations plots</a:t>
-            </a:r>
-            <a:r>
-              <a:rPr lang="en-US" baseline="0" dirty="0" smtClean="0"/>
-              <a:t>: add a column for direct length of gene + number of variant positions / gene. </a:t>
-            </a:r>
-          </a:p>
-          <a:p>
-            <a:r>
-              <a:rPr lang="en-US" baseline="0" dirty="0" smtClean="0"/>
-              <a:t>See if exceptions have anything to do with them.</a:t>
+              <a:t>1000G </a:t>
             </a:r>
             <a:endParaRPr lang="en-US" dirty="0"/>
           </a:p>
@@ -706,6 +689,43 @@
           <a:bodyPr/>
           <a:lstStyle/>
           <a:p>
+            <a:r>
+              <a:rPr lang="en-US" dirty="0" smtClean="0"/>
+              <a:t>Download EIGENSTRAT</a:t>
+            </a:r>
+          </a:p>
+          <a:p>
+            <a:r>
+              <a:rPr lang="en-US" dirty="0" smtClean="0"/>
+              <a:t>Skim</a:t>
+            </a:r>
+            <a:r>
+              <a:rPr lang="en-US" baseline="0" dirty="0" smtClean="0"/>
+              <a:t> documentation</a:t>
+            </a:r>
+          </a:p>
+          <a:p>
+            <a:r>
+              <a:rPr lang="en-US" baseline="0" dirty="0" smtClean="0"/>
+              <a:t>Run PCA plot using EIGENSTRAT on just the ACMG and just the HCM. </a:t>
+            </a:r>
+          </a:p>
+          <a:p>
+            <a:r>
+              <a:rPr lang="en-US" baseline="0" dirty="0" smtClean="0"/>
+              <a:t>Label the individuals by population.</a:t>
+            </a:r>
+          </a:p>
+          <a:p>
+            <a:endParaRPr lang="en-US" baseline="0" dirty="0" smtClean="0"/>
+          </a:p>
+          <a:p>
+            <a:r>
+              <a:rPr lang="en-US" baseline="0" dirty="0" smtClean="0"/>
+              <a:t>1000G supplementary materials.</a:t>
+            </a:r>
+          </a:p>
+          <a:p>
             <a:endParaRPr lang="en-US" dirty="0"/>
           </a:p>
         </p:txBody>
@@ -727,7 +747,203 @@
           <a:p>
             <a:fld id="{0F7EF5EC-725D-DA48-9BAD-19B6E5F87FE7}" type="slidenum">
               <a:rPr lang="en-US" smtClean="0"/>
-              <a:t>5</a:t>
+              <a:t>7</a:t>
+            </a:fld>
+            <a:endParaRPr lang="en-US"/>
+          </a:p>
+        </p:txBody>
+      </p:sp>
+    </p:spTree>
+    <p:extLst>
+      <p:ext uri="{BB962C8B-B14F-4D97-AF65-F5344CB8AC3E}">
+        <p14:creationId xmlns:p14="http://schemas.microsoft.com/office/powerpoint/2010/main" val="1897966888"/>
+      </p:ext>
+    </p:extLst>
+  </p:cSld>
+  <p:clrMapOvr>
+    <a:masterClrMapping/>
+  </p:clrMapOvr>
+</p:notes>
+</file>
+
+<file path=ppt/notesSlides/notesSlide4.xml><?xml version="1.0" encoding="utf-8"?>
+<p:notes xmlns:a="http://schemas.openxmlformats.org/drawingml/2006/main" xmlns:r="http://schemas.openxmlformats.org/officeDocument/2006/relationships" xmlns:p="http://schemas.openxmlformats.org/presentationml/2006/main">
+  <p:cSld>
+    <p:spTree>
+      <p:nvGrpSpPr>
+        <p:cNvPr id="1" name=""/>
+        <p:cNvGrpSpPr/>
+        <p:nvPr/>
+      </p:nvGrpSpPr>
+      <p:grpSpPr>
+        <a:xfrm>
+          <a:off x="0" y="0"/>
+          <a:ext cx="0" cy="0"/>
+          <a:chOff x="0" y="0"/>
+          <a:chExt cx="0" cy="0"/>
+        </a:xfrm>
+      </p:grpSpPr>
+      <p:sp>
+        <p:nvSpPr>
+          <p:cNvPr id="2" name="Slide Image Placeholder 1"/>
+          <p:cNvSpPr>
+            <a:spLocks noGrp="1" noRot="1" noChangeAspect="1"/>
+          </p:cNvSpPr>
+          <p:nvPr>
+            <p:ph type="sldImg"/>
+          </p:nvPr>
+        </p:nvSpPr>
+        <p:spPr/>
+      </p:sp>
+      <p:sp>
+        <p:nvSpPr>
+          <p:cNvPr id="3" name="Notes Placeholder 2"/>
+          <p:cNvSpPr>
+            <a:spLocks noGrp="1"/>
+          </p:cNvSpPr>
+          <p:nvPr>
+            <p:ph type="body" idx="1"/>
+          </p:nvPr>
+        </p:nvSpPr>
+        <p:spPr/>
+        <p:txBody>
+          <a:bodyPr/>
+          <a:lstStyle/>
+          <a:p>
+            <a:r>
+              <a:rPr lang="en-US" dirty="0" smtClean="0"/>
+              <a:t>Not population;</a:t>
+            </a:r>
+            <a:r>
+              <a:rPr lang="en-US" baseline="0" dirty="0" smtClean="0"/>
+              <a:t> probably projected out. </a:t>
+            </a:r>
+          </a:p>
+          <a:p>
+            <a:r>
+              <a:rPr lang="en-US" baseline="0" dirty="0" smtClean="0"/>
+              <a:t>Author name</a:t>
+            </a:r>
+          </a:p>
+          <a:p>
+            <a:r>
+              <a:rPr lang="en-US" baseline="0" dirty="0" smtClean="0"/>
+              <a:t>Google scholar: disease name, prevalence, most cited</a:t>
+            </a:r>
+          </a:p>
+          <a:p>
+            <a:r>
+              <a:rPr lang="en-US" baseline="0" dirty="0" smtClean="0"/>
+              <a:t>Retrieval date and citation</a:t>
+            </a:r>
+          </a:p>
+          <a:p>
+            <a:endParaRPr lang="en-US" dirty="0"/>
+          </a:p>
+        </p:txBody>
+      </p:sp>
+      <p:sp>
+        <p:nvSpPr>
+          <p:cNvPr id="4" name="Slide Number Placeholder 3"/>
+          <p:cNvSpPr>
+            <a:spLocks noGrp="1"/>
+          </p:cNvSpPr>
+          <p:nvPr>
+            <p:ph type="sldNum" sz="quarter" idx="10"/>
+          </p:nvPr>
+        </p:nvSpPr>
+        <p:spPr/>
+        <p:txBody>
+          <a:bodyPr/>
+          <a:lstStyle/>
+          <a:p>
+            <a:fld id="{0F7EF5EC-725D-DA48-9BAD-19B6E5F87FE7}" type="slidenum">
+              <a:rPr lang="en-US" smtClean="0"/>
+              <a:t>8</a:t>
+            </a:fld>
+            <a:endParaRPr lang="en-US"/>
+          </a:p>
+        </p:txBody>
+      </p:sp>
+    </p:spTree>
+    <p:extLst>
+      <p:ext uri="{BB962C8B-B14F-4D97-AF65-F5344CB8AC3E}">
+        <p14:creationId xmlns:p14="http://schemas.microsoft.com/office/powerpoint/2010/main" val="2035091837"/>
+      </p:ext>
+    </p:extLst>
+  </p:cSld>
+  <p:clrMapOvr>
+    <a:masterClrMapping/>
+  </p:clrMapOvr>
+</p:notes>
+</file>
+
+<file path=ppt/notesSlides/notesSlide5.xml><?xml version="1.0" encoding="utf-8"?>
+<p:notes xmlns:a="http://schemas.openxmlformats.org/drawingml/2006/main" xmlns:r="http://schemas.openxmlformats.org/officeDocument/2006/relationships" xmlns:p="http://schemas.openxmlformats.org/presentationml/2006/main">
+  <p:cSld>
+    <p:spTree>
+      <p:nvGrpSpPr>
+        <p:cNvPr id="1" name=""/>
+        <p:cNvGrpSpPr/>
+        <p:nvPr/>
+      </p:nvGrpSpPr>
+      <p:grpSpPr>
+        <a:xfrm>
+          <a:off x="0" y="0"/>
+          <a:ext cx="0" cy="0"/>
+          <a:chOff x="0" y="0"/>
+          <a:chExt cx="0" cy="0"/>
+        </a:xfrm>
+      </p:grpSpPr>
+      <p:sp>
+        <p:nvSpPr>
+          <p:cNvPr id="2" name="Slide Image Placeholder 1"/>
+          <p:cNvSpPr>
+            <a:spLocks noGrp="1" noRot="1" noChangeAspect="1"/>
+          </p:cNvSpPr>
+          <p:nvPr>
+            <p:ph type="sldImg"/>
+          </p:nvPr>
+        </p:nvSpPr>
+        <p:spPr/>
+      </p:sp>
+      <p:sp>
+        <p:nvSpPr>
+          <p:cNvPr id="3" name="Notes Placeholder 2"/>
+          <p:cNvSpPr>
+            <a:spLocks noGrp="1"/>
+          </p:cNvSpPr>
+          <p:nvPr>
+            <p:ph type="body" idx="1"/>
+          </p:nvPr>
+        </p:nvSpPr>
+        <p:spPr/>
+        <p:txBody>
+          <a:bodyPr/>
+          <a:lstStyle/>
+          <a:p>
+            <a:endParaRPr lang="en-US" dirty="0"/>
+          </a:p>
+        </p:txBody>
+      </p:sp>
+      <p:sp>
+        <p:nvSpPr>
+          <p:cNvPr id="4" name="Slide Number Placeholder 3"/>
+          <p:cNvSpPr>
+            <a:spLocks noGrp="1"/>
+          </p:cNvSpPr>
+          <p:nvPr>
+            <p:ph type="sldNum" sz="quarter" idx="10"/>
+          </p:nvPr>
+        </p:nvSpPr>
+        <p:spPr/>
+        <p:txBody>
+          <a:bodyPr/>
+          <a:lstStyle/>
+          <a:p>
+            <a:fld id="{0F7EF5EC-725D-DA48-9BAD-19B6E5F87FE7}" type="slidenum">
+              <a:rPr lang="en-US" smtClean="0"/>
+              <a:t>9</a:t>
             </a:fld>
             <a:endParaRPr lang="en-US"/>
           </a:p>
@@ -3836,6 +4052,13 @@
   <p:clrMapOvr>
     <a:masterClrMapping/>
   </p:clrMapOvr>
+  <p:timing>
+    <p:tnLst>
+      <p:par>
+        <p:cTn id="1" dur="indefinite" restart="never" nodeType="tmRoot"/>
+      </p:par>
+    </p:tnLst>
+  </p:timing>
 </p:sld>
 </file>
 
@@ -3965,6 +4188,13 @@
   <p:clrMapOvr>
     <a:masterClrMapping/>
   </p:clrMapOvr>
+  <p:timing>
+    <p:tnLst>
+      <p:par>
+        <p:cTn id="1" dur="indefinite" restart="never" nodeType="tmRoot"/>
+      </p:par>
+    </p:tnLst>
+  </p:timing>
 </p:sld>
 </file>
 
@@ -4023,22 +4253,89 @@
             <p:ph idx="1"/>
           </p:nvPr>
         </p:nvPicPr>
+        <p:blipFill rotWithShape="1">
+          <a:blip r:embed="rId3"/>
+          <a:srcRect r="1447" b="2519"/>
+          <a:stretch/>
+        </p:blipFill>
+        <p:spPr>
+          <a:xfrm>
+            <a:off x="567267" y="1512710"/>
+            <a:ext cx="4368148" cy="3305475"/>
+          </a:xfrm>
+          <a:prstGeom prst="rect">
+            <a:avLst/>
+          </a:prstGeom>
+        </p:spPr>
+      </p:pic>
+      <p:pic>
+        <p:nvPicPr>
+          <p:cNvPr id="3" name="Picture 2"/>
+          <p:cNvPicPr>
+            <a:picLocks noChangeAspect="1"/>
+          </p:cNvPicPr>
+          <p:nvPr/>
+        </p:nvPicPr>
         <p:blipFill>
-          <a:blip r:embed="rId3"/>
+          <a:blip r:embed="rId4"/>
           <a:stretch>
             <a:fillRect/>
           </a:stretch>
         </p:blipFill>
         <p:spPr>
           <a:xfrm>
-            <a:off x="720374" y="1512710"/>
-            <a:ext cx="4432300" cy="3390900"/>
+            <a:off x="5284611" y="1512710"/>
+            <a:ext cx="6302019" cy="3085666"/>
           </a:xfrm>
           <a:prstGeom prst="rect">
             <a:avLst/>
           </a:prstGeom>
         </p:spPr>
       </p:pic>
+      <p:sp>
+        <p:nvSpPr>
+          <p:cNvPr id="5" name="Frame 4"/>
+          <p:cNvSpPr/>
+          <p:nvPr/>
+        </p:nvSpPr>
+        <p:spPr>
+          <a:xfrm>
+            <a:off x="11230708" y="3923629"/>
+            <a:ext cx="309030" cy="472525"/>
+          </a:xfrm>
+          <a:prstGeom prst="frame">
+            <a:avLst/>
+          </a:prstGeom>
+        </p:spPr>
+        <p:style>
+          <a:lnRef idx="2">
+            <a:schemeClr val="accent1">
+              <a:shade val="50000"/>
+            </a:schemeClr>
+          </a:lnRef>
+          <a:fillRef idx="1">
+            <a:schemeClr val="accent1"/>
+          </a:fillRef>
+          <a:effectRef idx="0">
+            <a:schemeClr val="accent1"/>
+          </a:effectRef>
+          <a:fontRef idx="minor">
+            <a:schemeClr val="lt1"/>
+          </a:fontRef>
+        </p:style>
+        <p:txBody>
+          <a:bodyPr rtlCol="0" anchor="ctr"/>
+          <a:lstStyle/>
+          <a:p>
+            <a:pPr algn="ctr"/>
+            <a:endParaRPr lang="en-US">
+              <a:solidFill>
+                <a:schemeClr val="tx1"/>
+              </a:solidFill>
+            </a:endParaRPr>
+          </a:p>
+        </p:txBody>
+      </p:sp>
     </p:spTree>
     <p:extLst>
       <p:ext uri="{BB962C8B-B14F-4D97-AF65-F5344CB8AC3E}">
@@ -4049,6 +4346,13 @@
   <p:clrMapOvr>
     <a:masterClrMapping/>
   </p:clrMapOvr>
+  <p:timing>
+    <p:tnLst>
+      <p:par>
+        <p:cTn id="1" dur="indefinite" restart="never" nodeType="tmRoot"/>
+      </p:par>
+    </p:tnLst>
+  </p:timing>
 </p:sld>
 </file>
 
@@ -4069,169 +4373,277 @@
           <a:chExt cx="0" cy="0"/>
         </a:xfrm>
       </p:grpSpPr>
-      <p:sp>
-        <p:nvSpPr>
-          <p:cNvPr id="2" name="Title 1"/>
-          <p:cNvSpPr>
-            <a:spLocks noGrp="1"/>
-          </p:cNvSpPr>
-          <p:nvPr>
-            <p:ph type="title"/>
-          </p:nvPr>
-        </p:nvSpPr>
+      <p:pic>
+        <p:nvPicPr>
+          <p:cNvPr id="4" name="Content Placeholder 3"/>
+          <p:cNvPicPr>
+            <a:picLocks noGrp="1" noChangeAspect="1"/>
+          </p:cNvPicPr>
+          <p:nvPr>
+            <p:ph idx="1"/>
+          </p:nvPr>
+        </p:nvPicPr>
+        <p:blipFill>
+          <a:blip r:embed="rId2"/>
+          <a:stretch>
+            <a:fillRect/>
+          </a:stretch>
+        </p:blipFill>
         <p:spPr>
           <a:xfrm>
-            <a:off x="838200" y="275915"/>
-            <a:ext cx="10515600" cy="1325563"/>
+            <a:off x="574373" y="476597"/>
+            <a:ext cx="5595996" cy="2942939"/>
           </a:xfrm>
+          <a:prstGeom prst="rect">
+            <a:avLst/>
+          </a:prstGeom>
         </p:spPr>
-        <p:txBody>
-          <a:bodyPr>
-            <a:normAutofit/>
-          </a:bodyPr>
-          <a:lstStyle/>
-          <a:p>
-            <a:r>
-              <a:rPr lang="en-US" sz="4800" dirty="0" smtClean="0"/>
-              <a:t>Questions about </a:t>
-            </a:r>
-            <a:r>
-              <a:rPr lang="en-US" sz="4800" dirty="0" err="1" smtClean="0"/>
-              <a:t>ACMG_Lit</a:t>
-            </a:r>
-            <a:r>
-              <a:rPr lang="en-US" sz="4800" dirty="0" smtClean="0"/>
-              <a:t> Prevalence</a:t>
-            </a:r>
-            <a:endParaRPr lang="en-US" sz="4800" dirty="0"/>
-          </a:p>
-        </p:txBody>
-      </p:sp>
-      <p:sp>
-        <p:nvSpPr>
-          <p:cNvPr id="3" name="Content Placeholder 2"/>
-          <p:cNvSpPr>
-            <a:spLocks noGrp="1"/>
-          </p:cNvSpPr>
-          <p:nvPr>
-            <p:ph idx="1"/>
-          </p:nvPr>
-        </p:nvSpPr>
+      </p:pic>
+      <p:pic>
+        <p:nvPicPr>
+          <p:cNvPr id="5" name="Picture 4"/>
+          <p:cNvPicPr>
+            <a:picLocks noChangeAspect="1"/>
+          </p:cNvPicPr>
+          <p:nvPr/>
+        </p:nvPicPr>
+        <p:blipFill>
+          <a:blip r:embed="rId3"/>
+          <a:stretch>
+            <a:fillRect/>
+          </a:stretch>
+        </p:blipFill>
         <p:spPr>
           <a:xfrm>
-            <a:off x="628650" y="1601478"/>
-            <a:ext cx="10934700" cy="4379192"/>
+            <a:off x="574373" y="3540124"/>
+            <a:ext cx="5519738" cy="2899885"/>
           </a:xfrm>
+          <a:prstGeom prst="rect">
+            <a:avLst/>
+          </a:prstGeom>
         </p:spPr>
-        <p:txBody>
-          <a:bodyPr>
-            <a:noAutofit/>
-          </a:bodyPr>
-          <a:lstStyle/>
-          <a:p>
-            <a:r>
-              <a:rPr lang="en-US" sz="3200" dirty="0" smtClean="0"/>
-              <a:t>Point estimate of prevalence from multiple reports </a:t>
-            </a:r>
-            <a:br>
-              <a:rPr lang="en-US" sz="3200" dirty="0" smtClean="0"/>
-            </a:br>
-            <a:r>
-              <a:rPr lang="en-US" sz="3200" dirty="0" smtClean="0"/>
-              <a:t>(e.g. 1:5,000 and 1:100,000)</a:t>
-            </a:r>
-          </a:p>
-          <a:p>
-            <a:pPr lvl="1"/>
-            <a:r>
-              <a:rPr lang="en-US" dirty="0" smtClean="0"/>
-              <a:t>Arithmetic mean seems like it would overestimate.</a:t>
-            </a:r>
-          </a:p>
-          <a:p>
-            <a:pPr lvl="1"/>
-            <a:r>
-              <a:rPr lang="en-US" dirty="0" smtClean="0"/>
-              <a:t>Geometric mean might work pretty well (~22,360)</a:t>
-            </a:r>
-            <a:br>
-              <a:rPr lang="en-US" dirty="0" smtClean="0"/>
-            </a:br>
-            <a:r>
-              <a:rPr lang="en-US" dirty="0" smtClean="0"/>
-              <a:t>(bounded; effectively averaging some log function)</a:t>
-            </a:r>
-          </a:p>
-          <a:p>
-            <a:pPr lvl="1"/>
-            <a:r>
-              <a:rPr lang="en-US" dirty="0" smtClean="0"/>
-              <a:t>Alternatively, </a:t>
-            </a:r>
-            <a:r>
-              <a:rPr lang="en-US" dirty="0" smtClean="0">
-                <a:solidFill>
-                  <a:srgbClr val="0070C0"/>
-                </a:solidFill>
-              </a:rPr>
-              <a:t>reported a range </a:t>
-            </a:r>
-            <a:r>
-              <a:rPr lang="en-US" dirty="0" smtClean="0"/>
-              <a:t>for now. </a:t>
-            </a:r>
-          </a:p>
-          <a:p>
-            <a:r>
-              <a:rPr lang="en-US" sz="3200" dirty="0" smtClean="0"/>
-              <a:t>Citations</a:t>
-            </a:r>
-          </a:p>
-          <a:p>
-            <a:pPr lvl="1"/>
-            <a:r>
-              <a:rPr lang="en-US" b="1" dirty="0" smtClean="0"/>
-              <a:t>URL + PubMed ID + Author et al., Journal, Year.</a:t>
-            </a:r>
-          </a:p>
-          <a:p>
-            <a:pPr lvl="1"/>
-            <a:r>
-              <a:rPr lang="en-US" b="1" dirty="0" smtClean="0"/>
-              <a:t>Original study </a:t>
-            </a:r>
-          </a:p>
-          <a:p>
-            <a:pPr lvl="1"/>
-            <a:r>
-              <a:rPr lang="en-US" dirty="0" smtClean="0"/>
-              <a:t>Additional fields: </a:t>
-            </a:r>
-            <a:r>
-              <a:rPr lang="en-US" b="1" dirty="0" smtClean="0"/>
-              <a:t>country</a:t>
-            </a:r>
-            <a:r>
-              <a:rPr lang="en-US" dirty="0"/>
-              <a:t>,</a:t>
-            </a:r>
-            <a:r>
-              <a:rPr lang="en-US" dirty="0" smtClean="0"/>
-              <a:t> ^categorical: newborns/children/adult</a:t>
-            </a:r>
+      </p:pic>
+      <p:pic>
+        <p:nvPicPr>
+          <p:cNvPr id="7" name="Picture 6"/>
+          <p:cNvPicPr>
+            <a:picLocks noChangeAspect="1"/>
+          </p:cNvPicPr>
+          <p:nvPr/>
+        </p:nvPicPr>
+        <p:blipFill>
+          <a:blip r:embed="rId4"/>
+          <a:stretch>
+            <a:fillRect/>
+          </a:stretch>
+        </p:blipFill>
+        <p:spPr>
+          <a:xfrm>
+            <a:off x="6418130" y="509713"/>
+            <a:ext cx="5136684" cy="2693414"/>
+          </a:xfrm>
+          <a:prstGeom prst="rect">
+            <a:avLst/>
+          </a:prstGeom>
+        </p:spPr>
+      </p:pic>
+      <p:pic>
+        <p:nvPicPr>
+          <p:cNvPr id="8" name="Picture 7"/>
+          <p:cNvPicPr>
+            <a:picLocks noChangeAspect="1"/>
+          </p:cNvPicPr>
+          <p:nvPr/>
+        </p:nvPicPr>
+        <p:blipFill>
+          <a:blip r:embed="rId5"/>
+          <a:stretch>
+            <a:fillRect/>
+          </a:stretch>
+        </p:blipFill>
+        <p:spPr>
+          <a:xfrm>
+            <a:off x="6418130" y="3540124"/>
+            <a:ext cx="5487955" cy="2899885"/>
+          </a:xfrm>
+          <a:prstGeom prst="rect">
+            <a:avLst/>
+          </a:prstGeom>
+        </p:spPr>
+      </p:pic>
+      <p:pic>
+        <p:nvPicPr>
+          <p:cNvPr id="6" name="Picture 5"/>
+          <p:cNvPicPr>
+            <a:picLocks noChangeAspect="1"/>
+          </p:cNvPicPr>
+          <p:nvPr/>
+        </p:nvPicPr>
+        <p:blipFill>
+          <a:blip r:embed="rId6"/>
+          <a:stretch>
+            <a:fillRect/>
+          </a:stretch>
+        </p:blipFill>
+        <p:spPr>
+          <a:xfrm>
+            <a:off x="4806859" y="266391"/>
+            <a:ext cx="2574504" cy="486644"/>
+          </a:xfrm>
+          <a:prstGeom prst="rect">
+            <a:avLst/>
+          </a:prstGeom>
+        </p:spPr>
+      </p:pic>
+      <p:sp>
+        <p:nvSpPr>
+          <p:cNvPr id="9" name="Frame 8"/>
+          <p:cNvSpPr/>
+          <p:nvPr/>
+        </p:nvSpPr>
+        <p:spPr>
+          <a:xfrm>
+            <a:off x="5847927" y="2856829"/>
+            <a:ext cx="246184" cy="413909"/>
+          </a:xfrm>
+          <a:prstGeom prst="frame">
+            <a:avLst/>
+          </a:prstGeom>
+        </p:spPr>
+        <p:style>
+          <a:lnRef idx="2">
+            <a:schemeClr val="accent1">
+              <a:shade val="50000"/>
+            </a:schemeClr>
+          </a:lnRef>
+          <a:fillRef idx="1">
+            <a:schemeClr val="accent1"/>
+          </a:fillRef>
+          <a:effectRef idx="0">
+            <a:schemeClr val="accent1"/>
+          </a:effectRef>
+          <a:fontRef idx="minor">
+            <a:schemeClr val="lt1"/>
+          </a:fontRef>
+        </p:style>
+        <p:txBody>
+          <a:bodyPr rtlCol="0" anchor="ctr"/>
+          <a:lstStyle/>
+          <a:p>
+            <a:pPr algn="ctr"/>
+            <a:endParaRPr lang="en-US">
+              <a:solidFill>
+                <a:schemeClr val="tx1"/>
+              </a:solidFill>
+            </a:endParaRPr>
+          </a:p>
+        </p:txBody>
+      </p:sp>
+      <p:sp>
+        <p:nvSpPr>
+          <p:cNvPr id="10" name="Frame 9"/>
+          <p:cNvSpPr/>
+          <p:nvPr/>
+        </p:nvSpPr>
+        <p:spPr>
+          <a:xfrm>
+            <a:off x="5369169" y="5928275"/>
+            <a:ext cx="152400" cy="273233"/>
+          </a:xfrm>
+          <a:prstGeom prst="frame">
+            <a:avLst/>
+          </a:prstGeom>
+        </p:spPr>
+        <p:style>
+          <a:lnRef idx="2">
+            <a:schemeClr val="accent1">
+              <a:shade val="50000"/>
+            </a:schemeClr>
+          </a:lnRef>
+          <a:fillRef idx="1">
+            <a:schemeClr val="accent1"/>
+          </a:fillRef>
+          <a:effectRef idx="0">
+            <a:schemeClr val="accent1"/>
+          </a:effectRef>
+          <a:fontRef idx="minor">
+            <a:schemeClr val="lt1"/>
+          </a:fontRef>
+        </p:style>
+        <p:txBody>
+          <a:bodyPr rtlCol="0" anchor="ctr"/>
+          <a:lstStyle/>
+          <a:p>
+            <a:pPr algn="ctr"/>
+            <a:endParaRPr lang="en-US">
+              <a:solidFill>
+                <a:schemeClr val="tx1"/>
+              </a:solidFill>
+            </a:endParaRPr>
+          </a:p>
+        </p:txBody>
+      </p:sp>
+      <p:sp>
+        <p:nvSpPr>
+          <p:cNvPr id="11" name="Frame 10"/>
+          <p:cNvSpPr/>
+          <p:nvPr/>
+        </p:nvSpPr>
+        <p:spPr>
+          <a:xfrm>
+            <a:off x="5886843" y="5928275"/>
+            <a:ext cx="207268" cy="390463"/>
+          </a:xfrm>
+          <a:prstGeom prst="frame">
+            <a:avLst/>
+          </a:prstGeom>
+        </p:spPr>
+        <p:style>
+          <a:lnRef idx="2">
+            <a:schemeClr val="accent1">
+              <a:shade val="50000"/>
+            </a:schemeClr>
+          </a:lnRef>
+          <a:fillRef idx="1">
+            <a:schemeClr val="accent1"/>
+          </a:fillRef>
+          <a:effectRef idx="0">
+            <a:schemeClr val="accent1"/>
+          </a:effectRef>
+          <a:fontRef idx="minor">
+            <a:schemeClr val="lt1"/>
+          </a:fontRef>
+        </p:style>
+        <p:txBody>
+          <a:bodyPr rtlCol="0" anchor="ctr"/>
+          <a:lstStyle/>
+          <a:p>
+            <a:pPr algn="ctr"/>
+            <a:endParaRPr lang="en-US">
+              <a:solidFill>
+                <a:schemeClr val="tx1"/>
+              </a:solidFill>
+            </a:endParaRPr>
           </a:p>
         </p:txBody>
       </p:sp>
     </p:spTree>
     <p:extLst>
       <p:ext uri="{BB962C8B-B14F-4D97-AF65-F5344CB8AC3E}">
-        <p14:creationId xmlns:p14="http://schemas.microsoft.com/office/powerpoint/2010/main" val="1658028395"/>
+        <p14:creationId xmlns:p14="http://schemas.microsoft.com/office/powerpoint/2010/main" val="913099954"/>
       </p:ext>
     </p:extLst>
   </p:cSld>
   <p:clrMapOvr>
     <a:masterClrMapping/>
   </p:clrMapOvr>
+  <p:timing>
+    <p:tnLst>
+      <p:par>
+        <p:cTn id="1" dur="indefinite" restart="never" nodeType="tmRoot"/>
+      </p:par>
+    </p:tnLst>
+  </p:timing>
 </p:sld>
 </file>
 
@@ -4267,39 +4679,515 @@
           <a:bodyPr/>
           <a:lstStyle/>
           <a:p>
-            <a:endParaRPr lang="en-US"/>
-          </a:p>
-        </p:txBody>
-      </p:sp>
-      <p:sp>
-        <p:nvSpPr>
-          <p:cNvPr id="3" name="Content Placeholder 2"/>
-          <p:cNvSpPr>
-            <a:spLocks noGrp="1"/>
-          </p:cNvSpPr>
-          <p:nvPr>
-            <p:ph idx="1"/>
-          </p:nvPr>
-        </p:nvSpPr>
-        <p:spPr/>
-        <p:txBody>
-          <a:bodyPr/>
-          <a:lstStyle/>
-          <a:p>
-            <a:endParaRPr lang="en-US"/>
+            <a:r>
+              <a:rPr lang="en-US" smtClean="0"/>
+              <a:t>Around 0.03 </a:t>
+            </a:r>
+            <a:r>
+              <a:rPr lang="en-US" dirty="0" smtClean="0"/>
+              <a:t>variants </a:t>
+            </a:r>
+            <a:r>
+              <a:rPr lang="en-US" smtClean="0"/>
+              <a:t>per nucleotide</a:t>
+            </a:r>
+            <a:endParaRPr lang="en-US" dirty="0"/>
+          </a:p>
+        </p:txBody>
+      </p:sp>
+      <p:pic>
+        <p:nvPicPr>
+          <p:cNvPr id="5" name="Picture 4"/>
+          <p:cNvPicPr>
+            <a:picLocks noChangeAspect="1"/>
+          </p:cNvPicPr>
+          <p:nvPr/>
+        </p:nvPicPr>
+        <p:blipFill>
+          <a:blip r:embed="rId2"/>
+          <a:stretch>
+            <a:fillRect/>
+          </a:stretch>
+        </p:blipFill>
+        <p:spPr>
+          <a:xfrm>
+            <a:off x="1536700" y="1580643"/>
+            <a:ext cx="9166469" cy="4303895"/>
+          </a:xfrm>
+          <a:prstGeom prst="rect">
+            <a:avLst/>
+          </a:prstGeom>
+        </p:spPr>
+      </p:pic>
+      <p:sp>
+        <p:nvSpPr>
+          <p:cNvPr id="6" name="Frame 5"/>
+          <p:cNvSpPr/>
+          <p:nvPr/>
+        </p:nvSpPr>
+        <p:spPr>
+          <a:xfrm>
+            <a:off x="4853354" y="5005754"/>
+            <a:ext cx="211015" cy="468923"/>
+          </a:xfrm>
+          <a:prstGeom prst="frame">
+            <a:avLst/>
+          </a:prstGeom>
+        </p:spPr>
+        <p:style>
+          <a:lnRef idx="2">
+            <a:schemeClr val="accent1">
+              <a:shade val="50000"/>
+            </a:schemeClr>
+          </a:lnRef>
+          <a:fillRef idx="1">
+            <a:schemeClr val="accent1"/>
+          </a:fillRef>
+          <a:effectRef idx="0">
+            <a:schemeClr val="accent1"/>
+          </a:effectRef>
+          <a:fontRef idx="minor">
+            <a:schemeClr val="lt1"/>
+          </a:fontRef>
+        </p:style>
+        <p:txBody>
+          <a:bodyPr rtlCol="0" anchor="ctr"/>
+          <a:lstStyle/>
+          <a:p>
+            <a:pPr algn="ctr"/>
+            <a:endParaRPr lang="en-US">
+              <a:solidFill>
+                <a:schemeClr val="tx1"/>
+              </a:solidFill>
+            </a:endParaRPr>
+          </a:p>
+        </p:txBody>
+      </p:sp>
+      <p:sp>
+        <p:nvSpPr>
+          <p:cNvPr id="7" name="Frame 6"/>
+          <p:cNvSpPr/>
+          <p:nvPr/>
+        </p:nvSpPr>
+        <p:spPr>
+          <a:xfrm>
+            <a:off x="5844931" y="5005754"/>
+            <a:ext cx="239346" cy="621323"/>
+          </a:xfrm>
+          <a:prstGeom prst="frame">
+            <a:avLst/>
+          </a:prstGeom>
+        </p:spPr>
+        <p:style>
+          <a:lnRef idx="2">
+            <a:schemeClr val="accent1">
+              <a:shade val="50000"/>
+            </a:schemeClr>
+          </a:lnRef>
+          <a:fillRef idx="1">
+            <a:schemeClr val="accent1"/>
+          </a:fillRef>
+          <a:effectRef idx="0">
+            <a:schemeClr val="accent1"/>
+          </a:effectRef>
+          <a:fontRef idx="minor">
+            <a:schemeClr val="lt1"/>
+          </a:fontRef>
+        </p:style>
+        <p:txBody>
+          <a:bodyPr rtlCol="0" anchor="ctr"/>
+          <a:lstStyle/>
+          <a:p>
+            <a:pPr algn="ctr"/>
+            <a:endParaRPr lang="en-US">
+              <a:solidFill>
+                <a:schemeClr val="tx1"/>
+              </a:solidFill>
+            </a:endParaRPr>
           </a:p>
         </p:txBody>
       </p:sp>
     </p:spTree>
     <p:extLst>
       <p:ext uri="{BB962C8B-B14F-4D97-AF65-F5344CB8AC3E}">
-        <p14:creationId xmlns:p14="http://schemas.microsoft.com/office/powerpoint/2010/main" val="1283207442"/>
+        <p14:creationId xmlns:p14="http://schemas.microsoft.com/office/powerpoint/2010/main" val="901906092"/>
       </p:ext>
     </p:extLst>
   </p:cSld>
   <p:clrMapOvr>
     <a:masterClrMapping/>
   </p:clrMapOvr>
+  <p:timing>
+    <p:tnLst>
+      <p:par>
+        <p:cTn id="1" dur="indefinite" restart="never" nodeType="tmRoot"/>
+      </p:par>
+    </p:tnLst>
+  </p:timing>
+</p:sld>
+</file>
+
+<file path=ppt/slides/slide7.xml><?xml version="1.0" encoding="utf-8"?>
+<p:sld xmlns:a="http://schemas.openxmlformats.org/drawingml/2006/main" xmlns:r="http://schemas.openxmlformats.org/officeDocument/2006/relationships" xmlns:p="http://schemas.openxmlformats.org/presentationml/2006/main">
+  <p:cSld>
+    <p:spTree>
+      <p:nvGrpSpPr>
+        <p:cNvPr id="1" name=""/>
+        <p:cNvGrpSpPr/>
+        <p:nvPr/>
+      </p:nvGrpSpPr>
+      <p:grpSpPr>
+        <a:xfrm>
+          <a:off x="0" y="0"/>
+          <a:ext cx="0" cy="0"/>
+          <a:chOff x="0" y="0"/>
+          <a:chExt cx="0" cy="0"/>
+        </a:xfrm>
+      </p:grpSpPr>
+      <p:sp>
+        <p:nvSpPr>
+          <p:cNvPr id="2" name="Title 1"/>
+          <p:cNvSpPr>
+            <a:spLocks noGrp="1"/>
+          </p:cNvSpPr>
+          <p:nvPr>
+            <p:ph type="title"/>
+          </p:nvPr>
+        </p:nvSpPr>
+        <p:spPr/>
+        <p:txBody>
+          <a:bodyPr/>
+          <a:lstStyle/>
+          <a:p>
+            <a:r>
+              <a:rPr lang="en-US" dirty="0" smtClean="0"/>
+              <a:t>Side note: some clustering by population</a:t>
+            </a:r>
+            <a:endParaRPr lang="en-US" dirty="0"/>
+          </a:p>
+        </p:txBody>
+      </p:sp>
+      <p:pic>
+        <p:nvPicPr>
+          <p:cNvPr id="5" name="Picture 4"/>
+          <p:cNvPicPr>
+            <a:picLocks noChangeAspect="1"/>
+          </p:cNvPicPr>
+          <p:nvPr/>
+        </p:nvPicPr>
+        <p:blipFill>
+          <a:blip r:embed="rId3"/>
+          <a:stretch>
+            <a:fillRect/>
+          </a:stretch>
+        </p:blipFill>
+        <p:spPr>
+          <a:xfrm>
+            <a:off x="1029702" y="1934308"/>
+            <a:ext cx="9165956" cy="4098192"/>
+          </a:xfrm>
+          <a:prstGeom prst="rect">
+            <a:avLst/>
+          </a:prstGeom>
+        </p:spPr>
+      </p:pic>
+    </p:spTree>
+    <p:extLst>
+      <p:ext uri="{BB962C8B-B14F-4D97-AF65-F5344CB8AC3E}">
+        <p14:creationId xmlns:p14="http://schemas.microsoft.com/office/powerpoint/2010/main" val="314805357"/>
+      </p:ext>
+    </p:extLst>
+  </p:cSld>
+  <p:clrMapOvr>
+    <a:masterClrMapping/>
+  </p:clrMapOvr>
+  <p:timing>
+    <p:tnLst>
+      <p:par>
+        <p:cTn id="1" dur="indefinite" restart="never" nodeType="tmRoot"/>
+      </p:par>
+    </p:tnLst>
+  </p:timing>
+</p:sld>
+</file>
+
+<file path=ppt/slides/slide8.xml><?xml version="1.0" encoding="utf-8"?>
+<p:sld xmlns:a="http://schemas.openxmlformats.org/drawingml/2006/main" xmlns:r="http://schemas.openxmlformats.org/officeDocument/2006/relationships" xmlns:p="http://schemas.openxmlformats.org/presentationml/2006/main">
+  <p:cSld>
+    <p:spTree>
+      <p:nvGrpSpPr>
+        <p:cNvPr id="1" name=""/>
+        <p:cNvGrpSpPr/>
+        <p:nvPr/>
+      </p:nvGrpSpPr>
+      <p:grpSpPr>
+        <a:xfrm>
+          <a:off x="0" y="0"/>
+          <a:ext cx="0" cy="0"/>
+          <a:chOff x="0" y="0"/>
+          <a:chExt cx="0" cy="0"/>
+        </a:xfrm>
+      </p:grpSpPr>
+      <p:sp>
+        <p:nvSpPr>
+          <p:cNvPr id="2" name="Title 1"/>
+          <p:cNvSpPr>
+            <a:spLocks noGrp="1"/>
+          </p:cNvSpPr>
+          <p:nvPr>
+            <p:ph type="title"/>
+          </p:nvPr>
+        </p:nvSpPr>
+        <p:spPr/>
+        <p:txBody>
+          <a:bodyPr/>
+          <a:lstStyle/>
+          <a:p>
+            <a:r>
+              <a:rPr lang="en-US" dirty="0" smtClean="0"/>
+              <a:t>Working on </a:t>
+            </a:r>
+            <a:r>
+              <a:rPr lang="en-US" dirty="0" err="1" smtClean="0"/>
+              <a:t>ACMG_Lit</a:t>
+            </a:r>
+            <a:endParaRPr lang="en-US" dirty="0"/>
+          </a:p>
+        </p:txBody>
+      </p:sp>
+      <p:pic>
+        <p:nvPicPr>
+          <p:cNvPr id="4" name="Content Placeholder 3"/>
+          <p:cNvPicPr>
+            <a:picLocks noGrp="1" noChangeAspect="1"/>
+          </p:cNvPicPr>
+          <p:nvPr>
+            <p:ph idx="1"/>
+          </p:nvPr>
+        </p:nvPicPr>
+        <p:blipFill>
+          <a:blip r:embed="rId3"/>
+          <a:stretch>
+            <a:fillRect/>
+          </a:stretch>
+        </p:blipFill>
+        <p:spPr>
+          <a:xfrm>
+            <a:off x="1215579" y="1825625"/>
+            <a:ext cx="9760842" cy="4351338"/>
+          </a:xfrm>
+          <a:prstGeom prst="rect">
+            <a:avLst/>
+          </a:prstGeom>
+        </p:spPr>
+      </p:pic>
+    </p:spTree>
+    <p:extLst>
+      <p:ext uri="{BB962C8B-B14F-4D97-AF65-F5344CB8AC3E}">
+        <p14:creationId xmlns:p14="http://schemas.microsoft.com/office/powerpoint/2010/main" val="1361803114"/>
+      </p:ext>
+    </p:extLst>
+  </p:cSld>
+  <p:clrMapOvr>
+    <a:masterClrMapping/>
+  </p:clrMapOvr>
+  <p:timing>
+    <p:tnLst>
+      <p:par>
+        <p:cTn id="1" dur="indefinite" restart="never" nodeType="tmRoot"/>
+      </p:par>
+    </p:tnLst>
+  </p:timing>
+</p:sld>
+</file>
+
+<file path=ppt/slides/slide9.xml><?xml version="1.0" encoding="utf-8"?>
+<p:sld xmlns:a="http://schemas.openxmlformats.org/drawingml/2006/main" xmlns:r="http://schemas.openxmlformats.org/officeDocument/2006/relationships" xmlns:p="http://schemas.openxmlformats.org/presentationml/2006/main">
+  <p:cSld>
+    <p:spTree>
+      <p:nvGrpSpPr>
+        <p:cNvPr id="1" name=""/>
+        <p:cNvGrpSpPr/>
+        <p:nvPr/>
+      </p:nvGrpSpPr>
+      <p:grpSpPr>
+        <a:xfrm>
+          <a:off x="0" y="0"/>
+          <a:ext cx="0" cy="0"/>
+          <a:chOff x="0" y="0"/>
+          <a:chExt cx="0" cy="0"/>
+        </a:xfrm>
+      </p:grpSpPr>
+      <p:sp>
+        <p:nvSpPr>
+          <p:cNvPr id="2" name="Title 1"/>
+          <p:cNvSpPr>
+            <a:spLocks noGrp="1"/>
+          </p:cNvSpPr>
+          <p:nvPr>
+            <p:ph type="title"/>
+          </p:nvPr>
+        </p:nvSpPr>
+        <p:spPr>
+          <a:xfrm>
+            <a:off x="838200" y="275915"/>
+            <a:ext cx="10515600" cy="1325563"/>
+          </a:xfrm>
+        </p:spPr>
+        <p:txBody>
+          <a:bodyPr>
+            <a:normAutofit/>
+          </a:bodyPr>
+          <a:lstStyle/>
+          <a:p>
+            <a:r>
+              <a:rPr lang="en-US" sz="4800" dirty="0" smtClean="0"/>
+              <a:t>Questions about </a:t>
+            </a:r>
+            <a:r>
+              <a:rPr lang="en-US" sz="4800" dirty="0" err="1" smtClean="0"/>
+              <a:t>ACMG_Lit</a:t>
+            </a:r>
+            <a:r>
+              <a:rPr lang="en-US" sz="4800" dirty="0" smtClean="0"/>
+              <a:t> Prevalence</a:t>
+            </a:r>
+            <a:endParaRPr lang="en-US" sz="4800" dirty="0"/>
+          </a:p>
+        </p:txBody>
+      </p:sp>
+      <p:sp>
+        <p:nvSpPr>
+          <p:cNvPr id="3" name="Content Placeholder 2"/>
+          <p:cNvSpPr>
+            <a:spLocks noGrp="1"/>
+          </p:cNvSpPr>
+          <p:nvPr>
+            <p:ph idx="1"/>
+          </p:nvPr>
+        </p:nvSpPr>
+        <p:spPr>
+          <a:xfrm>
+            <a:off x="628650" y="1601478"/>
+            <a:ext cx="10934700" cy="4379192"/>
+          </a:xfrm>
+        </p:spPr>
+        <p:txBody>
+          <a:bodyPr>
+            <a:noAutofit/>
+          </a:bodyPr>
+          <a:lstStyle/>
+          <a:p>
+            <a:r>
+              <a:rPr lang="en-US" sz="3200" dirty="0" smtClean="0"/>
+              <a:t>Point estimate of prevalence from multiple reports </a:t>
+            </a:r>
+            <a:br>
+              <a:rPr lang="en-US" sz="3200" dirty="0" smtClean="0"/>
+            </a:br>
+            <a:r>
+              <a:rPr lang="en-US" sz="3200" dirty="0" smtClean="0"/>
+              <a:t>(e.g. 1:5,000 and 1:100,000)</a:t>
+            </a:r>
+          </a:p>
+          <a:p>
+            <a:pPr lvl="1"/>
+            <a:r>
+              <a:rPr lang="en-US" dirty="0" smtClean="0"/>
+              <a:t>Arithmetic mean seems like it would overestimate.</a:t>
+            </a:r>
+          </a:p>
+          <a:p>
+            <a:pPr lvl="1"/>
+            <a:r>
+              <a:rPr lang="en-US" dirty="0" smtClean="0"/>
+              <a:t>Geometric mean might work pretty well (~22,360)</a:t>
+            </a:r>
+            <a:br>
+              <a:rPr lang="en-US" dirty="0" smtClean="0"/>
+            </a:br>
+            <a:r>
+              <a:rPr lang="en-US" dirty="0" smtClean="0"/>
+              <a:t>(bounded; effectively averaging some log function)</a:t>
+            </a:r>
+          </a:p>
+          <a:p>
+            <a:pPr lvl="1"/>
+            <a:r>
+              <a:rPr lang="en-US" dirty="0" smtClean="0"/>
+              <a:t>Alternatively, </a:t>
+            </a:r>
+            <a:r>
+              <a:rPr lang="en-US" dirty="0" smtClean="0">
+                <a:solidFill>
+                  <a:srgbClr val="0070C0"/>
+                </a:solidFill>
+              </a:rPr>
+              <a:t>reported a range </a:t>
+            </a:r>
+            <a:r>
+              <a:rPr lang="en-US" dirty="0" smtClean="0"/>
+              <a:t>for now. </a:t>
+            </a:r>
+          </a:p>
+          <a:p>
+            <a:r>
+              <a:rPr lang="en-US" sz="3200" dirty="0" smtClean="0"/>
+              <a:t>Citations</a:t>
+            </a:r>
+          </a:p>
+          <a:p>
+            <a:pPr lvl="1"/>
+            <a:r>
+              <a:rPr lang="en-US" b="1" dirty="0" smtClean="0"/>
+              <a:t>URL + PubMed ID + Author et al., Journal, Year.</a:t>
+            </a:r>
+          </a:p>
+          <a:p>
+            <a:pPr lvl="1"/>
+            <a:r>
+              <a:rPr lang="en-US" b="1" dirty="0" smtClean="0"/>
+              <a:t>Original study </a:t>
+            </a:r>
+          </a:p>
+          <a:p>
+            <a:pPr lvl="1"/>
+            <a:r>
+              <a:rPr lang="en-US" dirty="0" smtClean="0"/>
+              <a:t>Additional fields: </a:t>
+            </a:r>
+            <a:r>
+              <a:rPr lang="en-US" b="1" dirty="0" smtClean="0"/>
+              <a:t>country</a:t>
+            </a:r>
+            <a:r>
+              <a:rPr lang="en-US" dirty="0"/>
+              <a:t>,</a:t>
+            </a:r>
+            <a:r>
+              <a:rPr lang="en-US" dirty="0" smtClean="0"/>
+              <a:t> ^categorical: newborns/children/adult</a:t>
+            </a:r>
+          </a:p>
+        </p:txBody>
+      </p:sp>
+    </p:spTree>
+    <p:extLst>
+      <p:ext uri="{BB962C8B-B14F-4D97-AF65-F5344CB8AC3E}">
+        <p14:creationId xmlns:p14="http://schemas.microsoft.com/office/powerpoint/2010/main" val="1658028395"/>
+      </p:ext>
+    </p:extLst>
+  </p:cSld>
+  <p:clrMapOvr>
+    <a:masterClrMapping/>
+  </p:clrMapOvr>
+  <p:timing>
+    <p:tnLst>
+      <p:par>
+        <p:cTn id="1" dur="indefinite" restart="never" nodeType="tmRoot"/>
+      </p:par>
+    </p:tnLst>
+  </p:timing>
 </p:sld>
 </file>
 
